--- a/games/스크립트언어_중간_이도_이도영.pptx
+++ b/games/스크립트언어_중간_이도_이도영.pptx
@@ -138,13 +138,148 @@
 <file path=ppt/revisionInfo.xml><?xml version="1.0" encoding="utf-8"?>
 <p1510:revInfo xmlns:a="http://schemas.openxmlformats.org/drawingml/2006/main" xmlns:r="http://schemas.openxmlformats.org/officeDocument/2006/relationships" xmlns:p1510="http://schemas.microsoft.com/office/powerpoint/2015/10/main">
   <p1510:revLst>
-    <p1510:client id="{99BB78EB-CC18-4F9E-8D19-A7FAB5E6AFFE}" v="148" dt="2022-05-30T14:14:44.105"/>
+    <p1510:client id="{A59DDA7E-792E-4F0B-99EB-B914D4E5BDFE}" v="1" dt="2022-06-11T18:09:40.540"/>
   </p1510:revLst>
 </p1510:revInfo>
 </file>
 
 <file path=ppt/changesInfos/changesInfo1.xml><?xml version="1.0" encoding="utf-8"?>
 <pc:chgInfo xmlns:a="http://schemas.openxmlformats.org/drawingml/2006/main" xmlns:r="http://schemas.openxmlformats.org/officeDocument/2006/relationships" xmlns:ac="http://schemas.microsoft.com/office/drawing/2013/main/command" xmlns:pc="http://schemas.microsoft.com/office/powerpoint/2013/main/command">
+  <pc:docChgLst>
+    <pc:chgData name="이 도영" userId="7a4f25bd000ca71b" providerId="LiveId" clId="{A59DDA7E-792E-4F0B-99EB-B914D4E5BDFE}"/>
+    <pc:docChg chg="custSel modSld">
+      <pc:chgData name="이 도영" userId="7a4f25bd000ca71b" providerId="LiveId" clId="{A59DDA7E-792E-4F0B-99EB-B914D4E5BDFE}" dt="2022-06-11T18:11:36.243" v="49" actId="14100"/>
+      <pc:docMkLst>
+        <pc:docMk/>
+      </pc:docMkLst>
+      <pc:sldChg chg="modSp mod">
+        <pc:chgData name="이 도영" userId="7a4f25bd000ca71b" providerId="LiveId" clId="{A59DDA7E-792E-4F0B-99EB-B914D4E5BDFE}" dt="2022-06-11T18:09:40.540" v="26"/>
+        <pc:sldMkLst>
+          <pc:docMk/>
+          <pc:sldMk cId="0" sldId="256"/>
+        </pc:sldMkLst>
+        <pc:spChg chg="mod">
+          <ac:chgData name="이 도영" userId="7a4f25bd000ca71b" providerId="LiveId" clId="{A59DDA7E-792E-4F0B-99EB-B914D4E5BDFE}" dt="2022-06-11T18:09:40.540" v="26"/>
+          <ac:spMkLst>
+            <pc:docMk/>
+            <pc:sldMk cId="0" sldId="256"/>
+            <ac:spMk id="22" creationId="{83E3A9F8-7D16-4B68-830D-A71CE15A4307}"/>
+          </ac:spMkLst>
+        </pc:spChg>
+      </pc:sldChg>
+      <pc:sldChg chg="addSp delSp modSp mod">
+        <pc:chgData name="이 도영" userId="7a4f25bd000ca71b" providerId="LiveId" clId="{A59DDA7E-792E-4F0B-99EB-B914D4E5BDFE}" dt="2022-06-11T18:11:36.243" v="49" actId="14100"/>
+        <pc:sldMkLst>
+          <pc:docMk/>
+          <pc:sldMk cId="651847544" sldId="262"/>
+        </pc:sldMkLst>
+        <pc:spChg chg="del mod">
+          <ac:chgData name="이 도영" userId="7a4f25bd000ca71b" providerId="LiveId" clId="{A59DDA7E-792E-4F0B-99EB-B914D4E5BDFE}" dt="2022-06-11T18:10:44.784" v="39" actId="478"/>
+          <ac:spMkLst>
+            <pc:docMk/>
+            <pc:sldMk cId="651847544" sldId="262"/>
+            <ac:spMk id="38" creationId="{C047355D-05F2-FAE5-793D-A61DD9F4064F}"/>
+          </ac:spMkLst>
+        </pc:spChg>
+        <pc:spChg chg="mod">
+          <ac:chgData name="이 도영" userId="7a4f25bd000ca71b" providerId="LiveId" clId="{A59DDA7E-792E-4F0B-99EB-B914D4E5BDFE}" dt="2022-06-11T18:09:55.638" v="28" actId="20577"/>
+          <ac:spMkLst>
+            <pc:docMk/>
+            <pc:sldMk cId="651847544" sldId="262"/>
+            <ac:spMk id="73" creationId="{4C2F99EF-EB05-E597-DCD7-C751C697DAF4}"/>
+          </ac:spMkLst>
+        </pc:spChg>
+        <pc:picChg chg="del">
+          <ac:chgData name="이 도영" userId="7a4f25bd000ca71b" providerId="LiveId" clId="{A59DDA7E-792E-4F0B-99EB-B914D4E5BDFE}" dt="2022-06-11T18:11:17.416" v="41" actId="478"/>
+          <ac:picMkLst>
+            <pc:docMk/>
+            <pc:sldMk cId="651847544" sldId="262"/>
+            <ac:picMk id="4" creationId="{41AB60C3-3313-D6BC-0899-668509EF0935}"/>
+          </ac:picMkLst>
+        </pc:picChg>
+        <pc:picChg chg="add del mod">
+          <ac:chgData name="이 도영" userId="7a4f25bd000ca71b" providerId="LiveId" clId="{A59DDA7E-792E-4F0B-99EB-B914D4E5BDFE}" dt="2022-06-11T18:11:18.382" v="42" actId="478"/>
+          <ac:picMkLst>
+            <pc:docMk/>
+            <pc:sldMk cId="651847544" sldId="262"/>
+            <ac:picMk id="26" creationId="{70DAD8AC-4559-FB2F-33B5-6F7C5B4FF159}"/>
+          </ac:picMkLst>
+        </pc:picChg>
+        <pc:picChg chg="add mod ord">
+          <ac:chgData name="이 도영" userId="7a4f25bd000ca71b" providerId="LiveId" clId="{A59DDA7E-792E-4F0B-99EB-B914D4E5BDFE}" dt="2022-06-11T18:11:28.690" v="47" actId="1076"/>
+          <ac:picMkLst>
+            <pc:docMk/>
+            <pc:sldMk cId="651847544" sldId="262"/>
+            <ac:picMk id="32" creationId="{DBE6474E-3D38-28EB-A660-52C7C1BAA1CE}"/>
+          </ac:picMkLst>
+        </pc:picChg>
+        <pc:cxnChg chg="mod">
+          <ac:chgData name="이 도영" userId="7a4f25bd000ca71b" providerId="LiveId" clId="{A59DDA7E-792E-4F0B-99EB-B914D4E5BDFE}" dt="2022-06-11T18:05:23.083" v="9" actId="14100"/>
+          <ac:cxnSpMkLst>
+            <pc:docMk/>
+            <pc:sldMk cId="651847544" sldId="262"/>
+            <ac:cxnSpMk id="10" creationId="{87236EB5-A19E-F7F5-6F99-ACA4027E034A}"/>
+          </ac:cxnSpMkLst>
+        </pc:cxnChg>
+        <pc:cxnChg chg="mod">
+          <ac:chgData name="이 도영" userId="7a4f25bd000ca71b" providerId="LiveId" clId="{A59DDA7E-792E-4F0B-99EB-B914D4E5BDFE}" dt="2022-06-11T18:05:26.307" v="10" actId="14100"/>
+          <ac:cxnSpMkLst>
+            <pc:docMk/>
+            <pc:sldMk cId="651847544" sldId="262"/>
+            <ac:cxnSpMk id="27" creationId="{39BC5D9F-0AE0-AFF7-5416-EFE31041AA49}"/>
+          </ac:cxnSpMkLst>
+        </pc:cxnChg>
+        <pc:cxnChg chg="mod">
+          <ac:chgData name="이 도영" userId="7a4f25bd000ca71b" providerId="LiveId" clId="{A59DDA7E-792E-4F0B-99EB-B914D4E5BDFE}" dt="2022-06-11T18:04:49.659" v="2" actId="14100"/>
+          <ac:cxnSpMkLst>
+            <pc:docMk/>
+            <pc:sldMk cId="651847544" sldId="262"/>
+            <ac:cxnSpMk id="40" creationId="{6C48A8CA-52A1-D3C4-E4AF-014A97B511A5}"/>
+          </ac:cxnSpMkLst>
+        </pc:cxnChg>
+        <pc:cxnChg chg="mod">
+          <ac:chgData name="이 도영" userId="7a4f25bd000ca71b" providerId="LiveId" clId="{A59DDA7E-792E-4F0B-99EB-B914D4E5BDFE}" dt="2022-06-11T18:04:36.243" v="0" actId="14100"/>
+          <ac:cxnSpMkLst>
+            <pc:docMk/>
+            <pc:sldMk cId="651847544" sldId="262"/>
+            <ac:cxnSpMk id="41" creationId="{FC4527EE-82D7-2688-547D-8F31210DC206}"/>
+          </ac:cxnSpMkLst>
+        </pc:cxnChg>
+        <pc:cxnChg chg="mod">
+          <ac:chgData name="이 도영" userId="7a4f25bd000ca71b" providerId="LiveId" clId="{A59DDA7E-792E-4F0B-99EB-B914D4E5BDFE}" dt="2022-06-11T18:05:29.155" v="11" actId="14100"/>
+          <ac:cxnSpMkLst>
+            <pc:docMk/>
+            <pc:sldMk cId="651847544" sldId="262"/>
+            <ac:cxnSpMk id="52" creationId="{0A55E996-17D0-547E-0650-A543799E6EDD}"/>
+          </ac:cxnSpMkLst>
+        </pc:cxnChg>
+        <pc:cxnChg chg="mod">
+          <ac:chgData name="이 도영" userId="7a4f25bd000ca71b" providerId="LiveId" clId="{A59DDA7E-792E-4F0B-99EB-B914D4E5BDFE}" dt="2022-06-11T18:11:33.361" v="48" actId="14100"/>
+          <ac:cxnSpMkLst>
+            <pc:docMk/>
+            <pc:sldMk cId="651847544" sldId="262"/>
+            <ac:cxnSpMk id="70" creationId="{E132E991-616B-3E7B-68D1-F66AE061F956}"/>
+          </ac:cxnSpMkLst>
+        </pc:cxnChg>
+        <pc:cxnChg chg="mod ord">
+          <ac:chgData name="이 도영" userId="7a4f25bd000ca71b" providerId="LiveId" clId="{A59DDA7E-792E-4F0B-99EB-B914D4E5BDFE}" dt="2022-06-11T18:10:40.416" v="37" actId="166"/>
+          <ac:cxnSpMkLst>
+            <pc:docMk/>
+            <pc:sldMk cId="651847544" sldId="262"/>
+            <ac:cxnSpMk id="72" creationId="{A9B47A36-72E7-6979-9BED-228131F6E305}"/>
+          </ac:cxnSpMkLst>
+        </pc:cxnChg>
+        <pc:cxnChg chg="mod ord">
+          <ac:chgData name="이 도영" userId="7a4f25bd000ca71b" providerId="LiveId" clId="{A59DDA7E-792E-4F0B-99EB-B914D4E5BDFE}" dt="2022-06-11T18:11:36.243" v="49" actId="14100"/>
+          <ac:cxnSpMkLst>
+            <pc:docMk/>
+            <pc:sldMk cId="651847544" sldId="262"/>
+            <ac:cxnSpMk id="74" creationId="{CA59D0FD-034E-3985-B201-6176095279B1}"/>
+          </ac:cxnSpMkLst>
+        </pc:cxnChg>
+      </pc:sldChg>
+    </pc:docChg>
+  </pc:docChgLst>
   <pc:docChgLst>
     <pc:chgData name="이 도영" userId="7a4f25bd000ca71b" providerId="LiveId" clId="{99BB78EB-CC18-4F9E-8D19-A7FAB5E6AFFE}"/>
     <pc:docChg chg="undo custSel addSld delSld modSld sldOrd">
@@ -2555,7 +2690,7 @@
           <a:p>
             <a:fld id="{24A47FCE-B98F-48F8-9A27-6AAF6C6C1715}" type="datetimeFigureOut">
               <a:rPr lang="ko-KR" altLang="en-US" smtClean="0"/>
-              <a:t>2022-05-30</a:t>
+              <a:t>2022-06-12</a:t>
             </a:fld>
             <a:endParaRPr lang="ko-KR" altLang="en-US"/>
           </a:p>
@@ -3002,7 +3137,7 @@
             <a:fld id="{1D8BD707-D9CF-40AE-B4C6-C98DA3205C09}" type="datetimeFigureOut">
               <a:rPr lang="en-US" smtClean="0"/>
               <a:pPr/>
-              <a:t>5/30/2022</a:t>
+              <a:t>6/12/2022</a:t>
             </a:fld>
             <a:endParaRPr lang="en-US"/>
           </a:p>
@@ -3167,7 +3302,7 @@
             <a:fld id="{1D8BD707-D9CF-40AE-B4C6-C98DA3205C09}" type="datetimeFigureOut">
               <a:rPr lang="en-US" smtClean="0"/>
               <a:pPr/>
-              <a:t>5/30/2022</a:t>
+              <a:t>6/12/2022</a:t>
             </a:fld>
             <a:endParaRPr lang="en-US"/>
           </a:p>
@@ -3342,7 +3477,7 @@
             <a:fld id="{1D8BD707-D9CF-40AE-B4C6-C98DA3205C09}" type="datetimeFigureOut">
               <a:rPr lang="en-US" smtClean="0"/>
               <a:pPr/>
-              <a:t>5/30/2022</a:t>
+              <a:t>6/12/2022</a:t>
             </a:fld>
             <a:endParaRPr lang="en-US"/>
           </a:p>
@@ -3507,7 +3642,7 @@
             <a:fld id="{1D8BD707-D9CF-40AE-B4C6-C98DA3205C09}" type="datetimeFigureOut">
               <a:rPr lang="en-US" smtClean="0"/>
               <a:pPr/>
-              <a:t>5/30/2022</a:t>
+              <a:t>6/12/2022</a:t>
             </a:fld>
             <a:endParaRPr lang="en-US"/>
           </a:p>
@@ -3749,7 +3884,7 @@
             <a:fld id="{1D8BD707-D9CF-40AE-B4C6-C98DA3205C09}" type="datetimeFigureOut">
               <a:rPr lang="en-US" smtClean="0"/>
               <a:pPr/>
-              <a:t>5/30/2022</a:t>
+              <a:t>6/12/2022</a:t>
             </a:fld>
             <a:endParaRPr lang="en-US"/>
           </a:p>
@@ -4031,7 +4166,7 @@
             <a:fld id="{1D8BD707-D9CF-40AE-B4C6-C98DA3205C09}" type="datetimeFigureOut">
               <a:rPr lang="en-US" smtClean="0"/>
               <a:pPr/>
-              <a:t>5/30/2022</a:t>
+              <a:t>6/12/2022</a:t>
             </a:fld>
             <a:endParaRPr lang="en-US"/>
           </a:p>
@@ -4447,7 +4582,7 @@
             <a:fld id="{1D8BD707-D9CF-40AE-B4C6-C98DA3205C09}" type="datetimeFigureOut">
               <a:rPr lang="en-US" smtClean="0"/>
               <a:pPr/>
-              <a:t>5/30/2022</a:t>
+              <a:t>6/12/2022</a:t>
             </a:fld>
             <a:endParaRPr lang="en-US"/>
           </a:p>
@@ -4561,7 +4696,7 @@
             <a:fld id="{1D8BD707-D9CF-40AE-B4C6-C98DA3205C09}" type="datetimeFigureOut">
               <a:rPr lang="en-US" smtClean="0"/>
               <a:pPr/>
-              <a:t>5/30/2022</a:t>
+              <a:t>6/12/2022</a:t>
             </a:fld>
             <a:endParaRPr lang="en-US"/>
           </a:p>
@@ -4653,7 +4788,7 @@
             <a:fld id="{1D8BD707-D9CF-40AE-B4C6-C98DA3205C09}" type="datetimeFigureOut">
               <a:rPr lang="en-US" smtClean="0"/>
               <a:pPr/>
-              <a:t>5/30/2022</a:t>
+              <a:t>6/12/2022</a:t>
             </a:fld>
             <a:endParaRPr lang="en-US"/>
           </a:p>
@@ -4925,7 +5060,7 @@
             <a:fld id="{1D8BD707-D9CF-40AE-B4C6-C98DA3205C09}" type="datetimeFigureOut">
               <a:rPr lang="en-US" smtClean="0"/>
               <a:pPr/>
-              <a:t>5/30/2022</a:t>
+              <a:t>6/12/2022</a:t>
             </a:fld>
             <a:endParaRPr lang="en-US"/>
           </a:p>
@@ -5174,7 +5309,7 @@
             <a:fld id="{1D8BD707-D9CF-40AE-B4C6-C98DA3205C09}" type="datetimeFigureOut">
               <a:rPr lang="en-US" smtClean="0"/>
               <a:pPr/>
-              <a:t>5/30/2022</a:t>
+              <a:t>6/12/2022</a:t>
             </a:fld>
             <a:endParaRPr lang="en-US"/>
           </a:p>
@@ -5382,7 +5517,7 @@
             <a:fld id="{1D8BD707-D9CF-40AE-B4C6-C98DA3205C09}" type="datetimeFigureOut">
               <a:rPr lang="en-US" smtClean="0"/>
               <a:pPr/>
-              <a:t>5/30/2022</a:t>
+              <a:t>6/12/2022</a:t>
             </a:fld>
             <a:endParaRPr lang="en-US"/>
           </a:p>
@@ -9048,7 +9183,7 @@
                 </a:solidFill>
                 <a:latin typeface="+mn-ea"/>
               </a:rPr>
-              <a:t>스크립트언어 중간 발표</a:t>
+              <a:t>스크립트언어 기말 발표</a:t>
             </a:r>
             <a:endParaRPr kumimoji="0" lang="ko-KR" altLang="ko-KR" sz="9600" b="0" i="0" u="none" strike="noStrike" cap="none" normalizeH="0" baseline="0" dirty="0">
               <a:ln>
@@ -11798,6 +11933,36 @@
           <a:chExt cx="0" cy="0"/>
         </a:xfrm>
       </p:grpSpPr>
+      <p:pic>
+        <p:nvPicPr>
+          <p:cNvPr id="32" name="그림 31">
+            <a:extLst>
+              <a:ext uri="{FF2B5EF4-FFF2-40B4-BE49-F238E27FC236}">
+                <a16:creationId xmlns:a16="http://schemas.microsoft.com/office/drawing/2014/main" id="{DBE6474E-3D38-28EB-A660-52C7C1BAA1CE}"/>
+              </a:ext>
+            </a:extLst>
+          </p:cNvPr>
+          <p:cNvPicPr>
+            <a:picLocks noChangeAspect="1"/>
+          </p:cNvPicPr>
+          <p:nvPr/>
+        </p:nvPicPr>
+        <p:blipFill>
+          <a:blip r:embed="rId2"/>
+          <a:stretch>
+            <a:fillRect/>
+          </a:stretch>
+        </p:blipFill>
+        <p:spPr>
+          <a:xfrm>
+            <a:off x="18231834" y="1857439"/>
+            <a:ext cx="11475522" cy="13948829"/>
+          </a:xfrm>
+          <a:prstGeom prst="rect">
+            <a:avLst/>
+          </a:prstGeom>
+        </p:spPr>
+      </p:pic>
       <p:sp>
         <p:nvSpPr>
           <p:cNvPr id="28" name="Rectangle 17">
@@ -12186,36 +12351,6 @@
           </a:p>
         </p:txBody>
       </p:sp>
-      <p:pic>
-        <p:nvPicPr>
-          <p:cNvPr id="4" name="그림 3">
-            <a:extLst>
-              <a:ext uri="{FF2B5EF4-FFF2-40B4-BE49-F238E27FC236}">
-                <a16:creationId xmlns:a16="http://schemas.microsoft.com/office/drawing/2014/main" id="{41AB60C3-3313-D6BC-0899-668509EF0935}"/>
-              </a:ext>
-            </a:extLst>
-          </p:cNvPr>
-          <p:cNvPicPr>
-            <a:picLocks noChangeAspect="1"/>
-          </p:cNvPicPr>
-          <p:nvPr/>
-        </p:nvPicPr>
-        <p:blipFill>
-          <a:blip r:embed="rId2"/>
-          <a:stretch>
-            <a:fillRect/>
-          </a:stretch>
-        </p:blipFill>
-        <p:spPr>
-          <a:xfrm>
-            <a:off x="18810287" y="1847691"/>
-            <a:ext cx="11492971" cy="14016196"/>
-          </a:xfrm>
-          <a:prstGeom prst="rect">
-            <a:avLst/>
-          </a:prstGeom>
-        </p:spPr>
-      </p:pic>
       <p:sp>
         <p:nvSpPr>
           <p:cNvPr id="30" name="Line 19">
@@ -12432,13 +12567,14 @@
           </p:cNvPr>
           <p:cNvCxnSpPr>
             <a:cxnSpLocks/>
+            <a:endCxn id="13" idx="3"/>
           </p:cNvCxnSpPr>
           <p:nvPr/>
         </p:nvCxnSpPr>
         <p:spPr>
           <a:xfrm flipH="1">
-            <a:off x="9401274" y="2815620"/>
-            <a:ext cx="13371413" cy="2380267"/>
+            <a:off x="9374921" y="2786595"/>
+            <a:ext cx="14398836" cy="2471888"/>
           </a:xfrm>
           <a:prstGeom prst="straightConnector1">
             <a:avLst/>
@@ -12508,13 +12644,14 @@
           </p:cNvPr>
           <p:cNvCxnSpPr>
             <a:cxnSpLocks/>
+            <a:endCxn id="56" idx="3"/>
           </p:cNvCxnSpPr>
           <p:nvPr/>
         </p:nvCxnSpPr>
         <p:spPr>
           <a:xfrm flipH="1">
-            <a:off x="9606263" y="3553766"/>
-            <a:ext cx="13023350" cy="2494301"/>
+            <a:off x="9507111" y="3636113"/>
+            <a:ext cx="12732176" cy="2389728"/>
           </a:xfrm>
           <a:prstGeom prst="straightConnector1">
             <a:avLst/>
@@ -12555,8 +12692,8 @@
         </p:nvCxnSpPr>
         <p:spPr>
           <a:xfrm flipH="1">
-            <a:off x="8529539" y="5904610"/>
-            <a:ext cx="14269501" cy="1874621"/>
+            <a:off x="8529539" y="5879864"/>
+            <a:ext cx="14101423" cy="1899367"/>
           </a:xfrm>
           <a:prstGeom prst="straightConnector1">
             <a:avLst/>
@@ -12597,8 +12734,8 @@
         </p:nvCxnSpPr>
         <p:spPr>
           <a:xfrm flipH="1">
-            <a:off x="8361461" y="6349006"/>
-            <a:ext cx="19592826" cy="2482849"/>
+            <a:off x="8361461" y="6048067"/>
+            <a:ext cx="19821426" cy="2783788"/>
           </a:xfrm>
           <a:prstGeom prst="straightConnector1">
             <a:avLst/>
@@ -12638,8 +12775,8 @@
         </p:nvCxnSpPr>
         <p:spPr>
           <a:xfrm flipH="1">
-            <a:off x="9312960" y="3636113"/>
-            <a:ext cx="17612629" cy="3181062"/>
+            <a:off x="9374921" y="3597536"/>
+            <a:ext cx="17893566" cy="3188677"/>
           </a:xfrm>
           <a:prstGeom prst="straightConnector1">
             <a:avLst/>
@@ -12778,10 +12915,9 @@
           <a:lstStyle/>
           <a:p>
             <a:r>
-              <a:rPr lang="ko-KR" altLang="en-US" sz="3600"/>
+              <a:rPr lang="ko-KR" altLang="en-US" sz="3600" dirty="0"/>
               <a:t>리스트</a:t>
             </a:r>
-            <a:endParaRPr lang="ko-KR" altLang="en-US" sz="3600" dirty="0"/>
           </a:p>
         </p:txBody>
       </p:sp>
@@ -12891,55 +13027,6 @@
           </a:p>
         </p:txBody>
       </p:sp>
-      <p:sp>
-        <p:nvSpPr>
-          <p:cNvPr id="38" name="직사각형 37">
-            <a:extLst>
-              <a:ext uri="{FF2B5EF4-FFF2-40B4-BE49-F238E27FC236}">
-                <a16:creationId xmlns:a16="http://schemas.microsoft.com/office/drawing/2014/main" id="{C047355D-05F2-FAE5-793D-A61DD9F4064F}"/>
-              </a:ext>
-            </a:extLst>
-          </p:cNvPr>
-          <p:cNvSpPr/>
-          <p:nvPr/>
-        </p:nvSpPr>
-        <p:spPr>
-          <a:xfrm>
-            <a:off x="19416381" y="10235281"/>
-            <a:ext cx="6861506" cy="5019006"/>
-          </a:xfrm>
-          <a:prstGeom prst="rect">
-            <a:avLst/>
-          </a:prstGeom>
-          <a:ln>
-            <a:solidFill>
-              <a:schemeClr val="tx1"/>
-            </a:solidFill>
-          </a:ln>
-        </p:spPr>
-        <p:style>
-          <a:lnRef idx="2">
-            <a:schemeClr val="accent6"/>
-          </a:lnRef>
-          <a:fillRef idx="1">
-            <a:schemeClr val="lt1"/>
-          </a:fillRef>
-          <a:effectRef idx="0">
-            <a:schemeClr val="accent6"/>
-          </a:effectRef>
-          <a:fontRef idx="minor">
-            <a:schemeClr val="dk1"/>
-          </a:fontRef>
-        </p:style>
-        <p:txBody>
-          <a:bodyPr rtlCol="0" anchor="ctr"/>
-          <a:lstStyle/>
-          <a:p>
-            <a:pPr algn="ctr"/>
-            <a:endParaRPr lang="ko-KR" altLang="en-US"/>
-          </a:p>
-        </p:txBody>
-      </p:sp>
       <p:cxnSp>
         <p:nvCxnSpPr>
           <p:cNvPr id="70" name="직선 화살표 연결선 69">
@@ -12956,49 +13043,8 @@
         </p:nvCxnSpPr>
         <p:spPr>
           <a:xfrm flipH="1" flipV="1">
-            <a:off x="5311958" y="9514127"/>
-            <a:ext cx="21613631" cy="1312146"/>
-          </a:xfrm>
-          <a:prstGeom prst="straightConnector1">
-            <a:avLst/>
-          </a:prstGeom>
-          <a:ln>
-            <a:tailEnd type="triangle"/>
-          </a:ln>
-        </p:spPr>
-        <p:style>
-          <a:lnRef idx="1">
-            <a:schemeClr val="dk1"/>
-          </a:lnRef>
-          <a:fillRef idx="0">
-            <a:schemeClr val="dk1"/>
-          </a:fillRef>
-          <a:effectRef idx="0">
-            <a:schemeClr val="dk1"/>
-          </a:effectRef>
-          <a:fontRef idx="minor">
-            <a:schemeClr val="tx1"/>
-          </a:fontRef>
-        </p:style>
-      </p:cxnSp>
-      <p:cxnSp>
-        <p:nvCxnSpPr>
-          <p:cNvPr id="72" name="직선 화살표 연결선 71">
-            <a:extLst>
-              <a:ext uri="{FF2B5EF4-FFF2-40B4-BE49-F238E27FC236}">
-                <a16:creationId xmlns:a16="http://schemas.microsoft.com/office/drawing/2014/main" id="{A9B47A36-72E7-6979-9BED-228131F6E305}"/>
-              </a:ext>
-            </a:extLst>
-          </p:cNvPr>
-          <p:cNvCxnSpPr>
-            <a:cxnSpLocks/>
-          </p:cNvCxnSpPr>
-          <p:nvPr/>
-        </p:nvCxnSpPr>
-        <p:spPr>
-          <a:xfrm flipH="1" flipV="1">
-            <a:off x="4665897" y="10890968"/>
-            <a:ext cx="24396386" cy="242646"/>
+            <a:off x="5280041" y="9673635"/>
+            <a:ext cx="22944140" cy="3193938"/>
           </a:xfrm>
           <a:prstGeom prst="straightConnector1">
             <a:avLst/>
@@ -13037,7 +13083,7 @@
         <p:spPr>
           <a:xfrm>
             <a:off x="4099767" y="13144475"/>
-            <a:ext cx="2701381" cy="646331"/>
+            <a:ext cx="1778051" cy="646331"/>
           </a:xfrm>
           <a:prstGeom prst="rect">
             <a:avLst/>
@@ -13052,11 +13098,53 @@
           <a:p>
             <a:r>
               <a:rPr lang="ko-KR" altLang="en-US" sz="3600" dirty="0"/>
-              <a:t>그래프 예정 </a:t>
+              <a:t>그래프  </a:t>
             </a:r>
           </a:p>
         </p:txBody>
       </p:sp>
+      <p:cxnSp>
+        <p:nvCxnSpPr>
+          <p:cNvPr id="72" name="직선 화살표 연결선 71">
+            <a:extLst>
+              <a:ext uri="{FF2B5EF4-FFF2-40B4-BE49-F238E27FC236}">
+                <a16:creationId xmlns:a16="http://schemas.microsoft.com/office/drawing/2014/main" id="{A9B47A36-72E7-6979-9BED-228131F6E305}"/>
+              </a:ext>
+            </a:extLst>
+          </p:cNvPr>
+          <p:cNvCxnSpPr>
+            <a:cxnSpLocks/>
+            <a:endCxn id="71" idx="3"/>
+          </p:cNvCxnSpPr>
+          <p:nvPr/>
+        </p:nvCxnSpPr>
+        <p:spPr>
+          <a:xfrm flipH="1">
+            <a:off x="4595481" y="11114183"/>
+            <a:ext cx="24501806" cy="0"/>
+          </a:xfrm>
+          <a:prstGeom prst="straightConnector1">
+            <a:avLst/>
+          </a:prstGeom>
+          <a:ln>
+            <a:tailEnd type="triangle"/>
+          </a:ln>
+        </p:spPr>
+        <p:style>
+          <a:lnRef idx="1">
+            <a:schemeClr val="dk1"/>
+          </a:lnRef>
+          <a:fillRef idx="0">
+            <a:schemeClr val="dk1"/>
+          </a:fillRef>
+          <a:effectRef idx="0">
+            <a:schemeClr val="dk1"/>
+          </a:effectRef>
+          <a:fontRef idx="minor">
+            <a:schemeClr val="tx1"/>
+          </a:fontRef>
+        </p:style>
+      </p:cxnSp>
       <p:cxnSp>
         <p:nvCxnSpPr>
           <p:cNvPr id="74" name="직선 화살표 연결선 73">
@@ -13068,13 +13156,14 @@
           </p:cNvPr>
           <p:cNvCxnSpPr>
             <a:cxnSpLocks/>
+            <a:endCxn id="73" idx="3"/>
           </p:cNvCxnSpPr>
           <p:nvPr/>
         </p:nvCxnSpPr>
         <p:spPr>
           <a:xfrm flipH="1">
-            <a:off x="6801148" y="13070086"/>
-            <a:ext cx="15997892" cy="320356"/>
+            <a:off x="5877818" y="12388556"/>
+            <a:ext cx="16753144" cy="1079085"/>
           </a:xfrm>
           <a:prstGeom prst="straightConnector1">
             <a:avLst/>
